--- a/ppt/INHERITANCE_POONAMCHAND_SAHU.pptx
+++ b/ppt/INHERITANCE_POONAMCHAND_SAHU.pptx
@@ -9,8 +9,12 @@
     <p:sldId id="257" r:id="rId3"/>
     <p:sldId id="258" r:id="rId4"/>
     <p:sldId id="259" r:id="rId5"/>
-    <p:sldId id="260" r:id="rId6"/>
-    <p:sldId id="261" r:id="rId7"/>
+    <p:sldId id="261" r:id="rId6"/>
+    <p:sldId id="262" r:id="rId7"/>
+    <p:sldId id="263" r:id="rId8"/>
+    <p:sldId id="265" r:id="rId9"/>
+    <p:sldId id="260" r:id="rId10"/>
+    <p:sldId id="264" r:id="rId11"/>
   </p:sldIdLst>
   <p:sldSz cx="12192000" cy="6858000"/>
   <p:notesSz cx="6858000" cy="9144000"/>
@@ -109,6 +113,11 @@
       </a:defRPr>
     </a:lvl9pPr>
   </p:defaultTextStyle>
+  <p:extLst>
+    <p:ext uri="{EFAFB233-063F-42B5-8137-9DF3F51BA10A}">
+      <p15:sldGuideLst xmlns:p15="http://schemas.microsoft.com/office/powerpoint/2012/main"/>
+    </p:ext>
+  </p:extLst>
 </p:presentation>
 </file>
 
@@ -858,7 +867,7 @@
             <a:fld id="{B61BEF0D-F0BB-DE4B-95CE-6DB70DBA9567}" type="datetimeFigureOut">
               <a:rPr lang="en-US" dirty="0"/>
               <a:pPr/>
-              <a:t>7/18/2019</a:t>
+              <a:t>7/19/2019</a:t>
             </a:fld>
             <a:endParaRPr lang="en-US" dirty="0"/>
           </a:p>
@@ -1106,7 +1115,7 @@
             <a:fld id="{B61BEF0D-F0BB-DE4B-95CE-6DB70DBA9567}" type="datetimeFigureOut">
               <a:rPr lang="en-US" dirty="0"/>
               <a:pPr/>
-              <a:t>7/18/2019</a:t>
+              <a:t>7/19/2019</a:t>
             </a:fld>
             <a:endParaRPr lang="en-US" dirty="0"/>
           </a:p>
@@ -1417,7 +1426,7 @@
             <a:fld id="{B61BEF0D-F0BB-DE4B-95CE-6DB70DBA9567}" type="datetimeFigureOut">
               <a:rPr lang="en-US" dirty="0"/>
               <a:pPr/>
-              <a:t>7/18/2019</a:t>
+              <a:t>7/19/2019</a:t>
             </a:fld>
             <a:endParaRPr lang="en-US" dirty="0"/>
           </a:p>
@@ -1747,7 +1756,7 @@
             <a:fld id="{B61BEF0D-F0BB-DE4B-95CE-6DB70DBA9567}" type="datetimeFigureOut">
               <a:rPr lang="en-US" dirty="0"/>
               <a:pPr/>
-              <a:t>7/18/2019</a:t>
+              <a:t>7/19/2019</a:t>
             </a:fld>
             <a:endParaRPr lang="en-US" dirty="0"/>
           </a:p>
@@ -2058,7 +2067,7 @@
             <a:fld id="{B61BEF0D-F0BB-DE4B-95CE-6DB70DBA9567}" type="datetimeFigureOut">
               <a:rPr lang="en-US" dirty="0"/>
               <a:pPr/>
-              <a:t>7/18/2019</a:t>
+              <a:t>7/19/2019</a:t>
             </a:fld>
             <a:endParaRPr lang="en-US" dirty="0"/>
           </a:p>
@@ -2448,7 +2457,7 @@
             <a:fld id="{B61BEF0D-F0BB-DE4B-95CE-6DB70DBA9567}" type="datetimeFigureOut">
               <a:rPr lang="en-US" dirty="0"/>
               <a:pPr/>
-              <a:t>7/18/2019</a:t>
+              <a:t>7/19/2019</a:t>
             </a:fld>
             <a:endParaRPr lang="en-US" dirty="0"/>
           </a:p>
@@ -2614,7 +2623,7 @@
           <a:p>
             <a:fld id="{55C6B4A9-1611-4792-9094-5F34BCA07E0B}" type="datetimeFigureOut">
               <a:rPr lang="en-US" dirty="0"/>
-              <a:t>7/18/2019</a:t>
+              <a:t>7/19/2019</a:t>
             </a:fld>
             <a:endParaRPr lang="en-US" dirty="0"/>
           </a:p>
@@ -2790,7 +2799,7 @@
             <a:fld id="{B61BEF0D-F0BB-DE4B-95CE-6DB70DBA9567}" type="datetimeFigureOut">
               <a:rPr lang="en-US" dirty="0"/>
               <a:pPr/>
-              <a:t>7/18/2019</a:t>
+              <a:t>7/19/2019</a:t>
             </a:fld>
             <a:endParaRPr lang="en-US" dirty="0"/>
           </a:p>
@@ -2956,7 +2965,7 @@
           <a:p>
             <a:fld id="{42A54C80-263E-416B-A8E0-580EDEADCBDC}" type="datetimeFigureOut">
               <a:rPr lang="en-US" dirty="0"/>
-              <a:t>7/18/2019</a:t>
+              <a:t>7/19/2019</a:t>
             </a:fld>
             <a:endParaRPr lang="en-US" dirty="0"/>
           </a:p>
@@ -3199,7 +3208,7 @@
             <a:fld id="{B61BEF0D-F0BB-DE4B-95CE-6DB70DBA9567}" type="datetimeFigureOut">
               <a:rPr lang="en-US" dirty="0"/>
               <a:pPr/>
-              <a:t>7/18/2019</a:t>
+              <a:t>7/19/2019</a:t>
             </a:fld>
             <a:endParaRPr lang="en-US" dirty="0"/>
           </a:p>
@@ -3427,7 +3436,7 @@
           <a:p>
             <a:fld id="{42A54C80-263E-416B-A8E0-580EDEADCBDC}" type="datetimeFigureOut">
               <a:rPr lang="en-US" dirty="0"/>
-              <a:t>7/18/2019</a:t>
+              <a:t>7/19/2019</a:t>
             </a:fld>
             <a:endParaRPr lang="en-US" dirty="0"/>
           </a:p>
@@ -3797,7 +3806,7 @@
             <a:fld id="{B61BEF0D-F0BB-DE4B-95CE-6DB70DBA9567}" type="datetimeFigureOut">
               <a:rPr lang="en-US" dirty="0"/>
               <a:pPr/>
-              <a:t>7/18/2019</a:t>
+              <a:t>7/19/2019</a:t>
             </a:fld>
             <a:endParaRPr lang="en-US" dirty="0"/>
           </a:p>
@@ -3917,7 +3926,7 @@
             <a:fld id="{B61BEF0D-F0BB-DE4B-95CE-6DB70DBA9567}" type="datetimeFigureOut">
               <a:rPr lang="en-US" dirty="0"/>
               <a:pPr/>
-              <a:t>7/18/2019</a:t>
+              <a:t>7/19/2019</a:t>
             </a:fld>
             <a:endParaRPr lang="en-US" dirty="0"/>
           </a:p>
@@ -4009,7 +4018,7 @@
             <a:fld id="{B61BEF0D-F0BB-DE4B-95CE-6DB70DBA9567}" type="datetimeFigureOut">
               <a:rPr lang="en-US" dirty="0"/>
               <a:pPr/>
-              <a:t>7/18/2019</a:t>
+              <a:t>7/19/2019</a:t>
             </a:fld>
             <a:endParaRPr lang="en-US" dirty="0"/>
           </a:p>
@@ -4260,7 +4269,7 @@
           <a:p>
             <a:fld id="{42A54C80-263E-416B-A8E0-580EDEADCBDC}" type="datetimeFigureOut">
               <a:rPr lang="en-US" dirty="0"/>
-              <a:t>7/18/2019</a:t>
+              <a:t>7/19/2019</a:t>
             </a:fld>
             <a:endParaRPr lang="en-US" dirty="0"/>
           </a:p>
@@ -4562,7 +4571,7 @@
             <a:fld id="{B61BEF0D-F0BB-DE4B-95CE-6DB70DBA9567}" type="datetimeFigureOut">
               <a:rPr lang="en-US" dirty="0"/>
               <a:pPr/>
-              <a:t>7/18/2019</a:t>
+              <a:t>7/19/2019</a:t>
             </a:fld>
             <a:endParaRPr lang="en-US" dirty="0"/>
           </a:p>
@@ -5260,7 +5269,7 @@
             <a:fld id="{B61BEF0D-F0BB-DE4B-95CE-6DB70DBA9567}" type="datetimeFigureOut">
               <a:rPr lang="en-US" dirty="0"/>
               <a:pPr/>
-              <a:t>7/18/2019</a:t>
+              <a:t>7/19/2019</a:t>
             </a:fld>
             <a:endParaRPr lang="en-US" dirty="0"/>
           </a:p>
@@ -5844,6 +5853,70 @@
 </p:sld>
 </file>
 
+<file path=ppt/slides/slide10.xml><?xml version="1.0" encoding="utf-8"?>
+<p:sld xmlns:a="http://schemas.openxmlformats.org/drawingml/2006/main" xmlns:r="http://schemas.openxmlformats.org/officeDocument/2006/relationships" xmlns:p="http://schemas.openxmlformats.org/presentationml/2006/main">
+  <p:cSld>
+    <p:spTree>
+      <p:nvGrpSpPr>
+        <p:cNvPr id="1" name=""/>
+        <p:cNvGrpSpPr/>
+        <p:nvPr/>
+      </p:nvGrpSpPr>
+      <p:grpSpPr>
+        <a:xfrm>
+          <a:off x="0" y="0"/>
+          <a:ext cx="0" cy="0"/>
+          <a:chOff x="0" y="0"/>
+          <a:chExt cx="0" cy="0"/>
+        </a:xfrm>
+      </p:grpSpPr>
+      <p:sp>
+        <p:nvSpPr>
+          <p:cNvPr id="2" name="Title 1"/>
+          <p:cNvSpPr>
+            <a:spLocks noGrp="1"/>
+          </p:cNvSpPr>
+          <p:nvPr>
+            <p:ph type="title"/>
+          </p:nvPr>
+        </p:nvSpPr>
+        <p:spPr>
+          <a:xfrm>
+            <a:off x="2498500" y="1536879"/>
+            <a:ext cx="7586871" cy="3403600"/>
+          </a:xfrm>
+        </p:spPr>
+        <p:txBody>
+          <a:bodyPr>
+            <a:normAutofit/>
+          </a:bodyPr>
+          <a:lstStyle/>
+          <a:p>
+            <a:r>
+              <a:rPr lang="en-US" sz="7200" dirty="0" smtClean="0">
+                <a:latin typeface="Berlin Sans FB Demi" panose="020E0802020502020306" pitchFamily="34" charset="0"/>
+              </a:rPr>
+              <a:t>Thank You</a:t>
+            </a:r>
+            <a:endParaRPr lang="en-US" sz="7200" dirty="0">
+              <a:latin typeface="Berlin Sans FB Demi" panose="020E0802020502020306" pitchFamily="34" charset="0"/>
+            </a:endParaRPr>
+          </a:p>
+        </p:txBody>
+      </p:sp>
+    </p:spTree>
+    <p:extLst>
+      <p:ext uri="{BB962C8B-B14F-4D97-AF65-F5344CB8AC3E}">
+        <p14:creationId xmlns:p14="http://schemas.microsoft.com/office/powerpoint/2010/main" val="1225093970"/>
+      </p:ext>
+    </p:extLst>
+  </p:cSld>
+  <p:clrMapOvr>
+    <a:masterClrMapping/>
+  </p:clrMapOvr>
+</p:sld>
+</file>
+
 <file path=ppt/slides/slide2.xml><?xml version="1.0" encoding="utf-8"?>
 <p:sld xmlns:a="http://schemas.openxmlformats.org/drawingml/2006/main" xmlns:r="http://schemas.openxmlformats.org/officeDocument/2006/relationships" xmlns:p="http://schemas.openxmlformats.org/presentationml/2006/main">
   <p:cSld>
@@ -5950,7 +6023,37 @@
                   </a:schemeClr>
                 </a:solidFill>
               </a:rPr>
-              <a:t>In Simple words, Inheritance is the ability to get properties from someone else.</a:t>
+              <a:t>In Simple words, Inheritance is the ability to </a:t>
+            </a:r>
+            <a:r>
+              <a:rPr lang="en-US" sz="2000" dirty="0" smtClean="0">
+                <a:solidFill>
+                  <a:schemeClr val="accent1">
+                    <a:lumMod val="50000"/>
+                  </a:schemeClr>
+                </a:solidFill>
+              </a:rPr>
+              <a:t>acquire</a:t>
+            </a:r>
+            <a:r>
+              <a:rPr lang="en-US" sz="2000" dirty="0" smtClean="0">
+                <a:solidFill>
+                  <a:schemeClr val="accent1">
+                    <a:lumMod val="50000"/>
+                  </a:schemeClr>
+                </a:solidFill>
+              </a:rPr>
+              <a:t> </a:t>
+            </a:r>
+            <a:r>
+              <a:rPr lang="en-US" sz="2000" dirty="0" smtClean="0">
+                <a:solidFill>
+                  <a:schemeClr val="accent1">
+                    <a:lumMod val="50000"/>
+                  </a:schemeClr>
+                </a:solidFill>
+              </a:rPr>
+              <a:t>properties from someone else.</a:t>
             </a:r>
           </a:p>
           <a:p>
@@ -6207,6 +6310,571 @@
           <a:p>
             <a:r>
               <a:rPr lang="en-US" dirty="0" smtClean="0"/>
+              <a:t>Types of Inheritance</a:t>
+            </a:r>
+            <a:endParaRPr lang="en-US" dirty="0"/>
+          </a:p>
+        </p:txBody>
+      </p:sp>
+      <p:pic>
+        <p:nvPicPr>
+          <p:cNvPr id="4" name="Content Placeholder 3"/>
+          <p:cNvPicPr>
+            <a:picLocks noGrp="1" noChangeAspect="1"/>
+          </p:cNvPicPr>
+          <p:nvPr>
+            <p:ph idx="1"/>
+          </p:nvPr>
+        </p:nvPicPr>
+        <p:blipFill>
+          <a:blip r:embed="rId2">
+            <a:extLst>
+              <a:ext uri="{28A0092B-C50C-407E-A947-70E740481C1C}">
+                <a14:useLocalDpi xmlns:a14="http://schemas.microsoft.com/office/drawing/2010/main" val="0"/>
+              </a:ext>
+            </a:extLst>
+          </a:blip>
+          <a:stretch>
+            <a:fillRect/>
+          </a:stretch>
+        </p:blipFill>
+        <p:spPr>
+          <a:xfrm>
+            <a:off x="1081825" y="1709828"/>
+            <a:ext cx="8036417" cy="4613699"/>
+          </a:xfrm>
+        </p:spPr>
+      </p:pic>
+    </p:spTree>
+    <p:extLst>
+      <p:ext uri="{BB962C8B-B14F-4D97-AF65-F5344CB8AC3E}">
+        <p14:creationId xmlns:p14="http://schemas.microsoft.com/office/powerpoint/2010/main" val="430404284"/>
+      </p:ext>
+    </p:extLst>
+  </p:cSld>
+  <p:clrMapOvr>
+    <a:masterClrMapping/>
+  </p:clrMapOvr>
+</p:sld>
+</file>
+
+<file path=ppt/slides/slide6.xml><?xml version="1.0" encoding="utf-8"?>
+<p:sld xmlns:a="http://schemas.openxmlformats.org/drawingml/2006/main" xmlns:r="http://schemas.openxmlformats.org/officeDocument/2006/relationships" xmlns:p="http://schemas.openxmlformats.org/presentationml/2006/main">
+  <p:cSld>
+    <p:spTree>
+      <p:nvGrpSpPr>
+        <p:cNvPr id="1" name=""/>
+        <p:cNvGrpSpPr/>
+        <p:nvPr/>
+      </p:nvGrpSpPr>
+      <p:grpSpPr>
+        <a:xfrm>
+          <a:off x="0" y="0"/>
+          <a:ext cx="0" cy="0"/>
+          <a:chOff x="0" y="0"/>
+          <a:chExt cx="0" cy="0"/>
+        </a:xfrm>
+      </p:grpSpPr>
+      <p:sp>
+        <p:nvSpPr>
+          <p:cNvPr id="2" name="Title 1"/>
+          <p:cNvSpPr>
+            <a:spLocks noGrp="1"/>
+          </p:cNvSpPr>
+          <p:nvPr>
+            <p:ph type="title"/>
+          </p:nvPr>
+        </p:nvSpPr>
+        <p:spPr/>
+        <p:txBody>
+          <a:bodyPr/>
+          <a:lstStyle/>
+          <a:p>
+            <a:r>
+              <a:rPr lang="en-US" dirty="0" smtClean="0"/>
+              <a:t>Inheritance in Java</a:t>
+            </a:r>
+            <a:endParaRPr lang="en-US" dirty="0"/>
+          </a:p>
+        </p:txBody>
+      </p:sp>
+      <p:sp>
+        <p:nvSpPr>
+          <p:cNvPr id="3" name="Content Placeholder 2"/>
+          <p:cNvSpPr>
+            <a:spLocks noGrp="1"/>
+          </p:cNvSpPr>
+          <p:nvPr>
+            <p:ph sz="half" idx="1"/>
+          </p:nvPr>
+        </p:nvSpPr>
+        <p:spPr>
+          <a:xfrm>
+            <a:off x="677334" y="2160589"/>
+            <a:ext cx="5491646" cy="1767467"/>
+          </a:xfrm>
+        </p:spPr>
+        <p:txBody>
+          <a:bodyPr/>
+          <a:lstStyle/>
+          <a:p>
+            <a:r>
+              <a:rPr lang="en-US" dirty="0" smtClean="0">
+                <a:solidFill>
+                  <a:schemeClr val="accent1">
+                    <a:lumMod val="50000"/>
+                  </a:schemeClr>
+                </a:solidFill>
+              </a:rPr>
+              <a:t>Class to Class</a:t>
+            </a:r>
+          </a:p>
+          <a:p>
+            <a:r>
+              <a:rPr lang="en-US" dirty="0" smtClean="0">
+                <a:solidFill>
+                  <a:schemeClr val="accent1">
+                    <a:lumMod val="50000"/>
+                  </a:schemeClr>
+                </a:solidFill>
+              </a:rPr>
+              <a:t>Interface to Interface</a:t>
+            </a:r>
+          </a:p>
+          <a:p>
+            <a:r>
+              <a:rPr lang="en-US" dirty="0" smtClean="0">
+                <a:solidFill>
+                  <a:schemeClr val="accent1">
+                    <a:lumMod val="50000"/>
+                  </a:schemeClr>
+                </a:solidFill>
+              </a:rPr>
+              <a:t>Interface to Class</a:t>
+            </a:r>
+            <a:endParaRPr lang="en-US" dirty="0">
+              <a:solidFill>
+                <a:schemeClr val="accent1">
+                  <a:lumMod val="50000"/>
+                </a:schemeClr>
+              </a:solidFill>
+            </a:endParaRPr>
+          </a:p>
+        </p:txBody>
+      </p:sp>
+      <p:pic>
+        <p:nvPicPr>
+          <p:cNvPr id="5" name="Picture 4"/>
+          <p:cNvPicPr>
+            <a:picLocks noChangeAspect="1"/>
+          </p:cNvPicPr>
+          <p:nvPr/>
+        </p:nvPicPr>
+        <p:blipFill rotWithShape="1">
+          <a:blip r:embed="rId2">
+            <a:extLst>
+              <a:ext uri="{28A0092B-C50C-407E-A947-70E740481C1C}">
+                <a14:useLocalDpi xmlns:a14="http://schemas.microsoft.com/office/drawing/2010/main" val="0"/>
+              </a:ext>
+            </a:extLst>
+          </a:blip>
+          <a:srcRect l="4715" t="6724" r="29422" b="63005"/>
+          <a:stretch/>
+        </p:blipFill>
+        <p:spPr>
+          <a:xfrm>
+            <a:off x="4135332" y="1911516"/>
+            <a:ext cx="5138670" cy="1326524"/>
+          </a:xfrm>
+          <a:prstGeom prst="rect">
+            <a:avLst/>
+          </a:prstGeom>
+        </p:spPr>
+      </p:pic>
+      <p:pic>
+        <p:nvPicPr>
+          <p:cNvPr id="6" name="Picture 5"/>
+          <p:cNvPicPr>
+            <a:picLocks noChangeAspect="1"/>
+          </p:cNvPicPr>
+          <p:nvPr/>
+        </p:nvPicPr>
+        <p:blipFill rotWithShape="1">
+          <a:blip r:embed="rId3">
+            <a:extLst>
+              <a:ext uri="{28A0092B-C50C-407E-A947-70E740481C1C}">
+                <a14:useLocalDpi xmlns:a14="http://schemas.microsoft.com/office/drawing/2010/main" val="0"/>
+              </a:ext>
+            </a:extLst>
+          </a:blip>
+          <a:srcRect l="14620" t="12602" r="27606" b="61242"/>
+          <a:stretch/>
+        </p:blipFill>
+        <p:spPr>
+          <a:xfrm>
+            <a:off x="387580" y="4158245"/>
+            <a:ext cx="4507605" cy="1146220"/>
+          </a:xfrm>
+          <a:prstGeom prst="rect">
+            <a:avLst/>
+          </a:prstGeom>
+        </p:spPr>
+      </p:pic>
+      <p:pic>
+        <p:nvPicPr>
+          <p:cNvPr id="8" name="Picture 7"/>
+          <p:cNvPicPr>
+            <a:picLocks noChangeAspect="1"/>
+          </p:cNvPicPr>
+          <p:nvPr/>
+        </p:nvPicPr>
+        <p:blipFill rotWithShape="1">
+          <a:blip r:embed="rId4">
+            <a:extLst>
+              <a:ext uri="{28A0092B-C50C-407E-A947-70E740481C1C}">
+                <a14:useLocalDpi xmlns:a14="http://schemas.microsoft.com/office/drawing/2010/main" val="0"/>
+              </a:ext>
+            </a:extLst>
+          </a:blip>
+          <a:srcRect l="16445" t="12023" r="27446" b="63884"/>
+          <a:stretch/>
+        </p:blipFill>
+        <p:spPr>
+          <a:xfrm>
+            <a:off x="4895185" y="4158245"/>
+            <a:ext cx="4378817" cy="1056067"/>
+          </a:xfrm>
+          <a:prstGeom prst="rect">
+            <a:avLst/>
+          </a:prstGeom>
+        </p:spPr>
+      </p:pic>
+    </p:spTree>
+    <p:extLst>
+      <p:ext uri="{BB962C8B-B14F-4D97-AF65-F5344CB8AC3E}">
+        <p14:creationId xmlns:p14="http://schemas.microsoft.com/office/powerpoint/2010/main" val="3233116465"/>
+      </p:ext>
+    </p:extLst>
+  </p:cSld>
+  <p:clrMapOvr>
+    <a:masterClrMapping/>
+  </p:clrMapOvr>
+</p:sld>
+</file>
+
+<file path=ppt/slides/slide7.xml><?xml version="1.0" encoding="utf-8"?>
+<p:sld xmlns:a="http://schemas.openxmlformats.org/drawingml/2006/main" xmlns:r="http://schemas.openxmlformats.org/officeDocument/2006/relationships" xmlns:p="http://schemas.openxmlformats.org/presentationml/2006/main">
+  <p:cSld>
+    <p:spTree>
+      <p:nvGrpSpPr>
+        <p:cNvPr id="1" name=""/>
+        <p:cNvGrpSpPr/>
+        <p:nvPr/>
+      </p:nvGrpSpPr>
+      <p:grpSpPr>
+        <a:xfrm>
+          <a:off x="0" y="0"/>
+          <a:ext cx="0" cy="0"/>
+          <a:chOff x="0" y="0"/>
+          <a:chExt cx="0" cy="0"/>
+        </a:xfrm>
+      </p:grpSpPr>
+      <p:pic>
+        <p:nvPicPr>
+          <p:cNvPr id="5" name="Picture 4"/>
+          <p:cNvPicPr>
+            <a:picLocks noChangeAspect="1"/>
+          </p:cNvPicPr>
+          <p:nvPr/>
+        </p:nvPicPr>
+        <p:blipFill>
+          <a:blip r:embed="rId2">
+            <a:extLst>
+              <a:ext uri="{28A0092B-C50C-407E-A947-70E740481C1C}">
+                <a14:useLocalDpi xmlns:a14="http://schemas.microsoft.com/office/drawing/2010/main" val="0"/>
+              </a:ext>
+            </a:extLst>
+          </a:blip>
+          <a:stretch>
+            <a:fillRect/>
+          </a:stretch>
+        </p:blipFill>
+        <p:spPr>
+          <a:xfrm>
+            <a:off x="4584731" y="3876741"/>
+            <a:ext cx="4689272" cy="2073298"/>
+          </a:xfrm>
+          <a:prstGeom prst="rect">
+            <a:avLst/>
+          </a:prstGeom>
+        </p:spPr>
+      </p:pic>
+      <p:sp>
+        <p:nvSpPr>
+          <p:cNvPr id="2" name="Title 1"/>
+          <p:cNvSpPr>
+            <a:spLocks noGrp="1"/>
+          </p:cNvSpPr>
+          <p:nvPr>
+            <p:ph type="title"/>
+          </p:nvPr>
+        </p:nvSpPr>
+        <p:spPr/>
+        <p:txBody>
+          <a:bodyPr/>
+          <a:lstStyle/>
+          <a:p>
+            <a:r>
+              <a:rPr lang="en-US" dirty="0" smtClean="0"/>
+              <a:t>Super and Final keywords</a:t>
+            </a:r>
+            <a:endParaRPr lang="en-US" dirty="0"/>
+          </a:p>
+        </p:txBody>
+      </p:sp>
+      <p:sp>
+        <p:nvSpPr>
+          <p:cNvPr id="3" name="Content Placeholder 2"/>
+          <p:cNvSpPr>
+            <a:spLocks noGrp="1"/>
+          </p:cNvSpPr>
+          <p:nvPr>
+            <p:ph idx="1"/>
+          </p:nvPr>
+        </p:nvSpPr>
+        <p:spPr>
+          <a:xfrm>
+            <a:off x="677334" y="2160590"/>
+            <a:ext cx="8596668" cy="968976"/>
+          </a:xfrm>
+        </p:spPr>
+        <p:txBody>
+          <a:bodyPr>
+            <a:normAutofit lnSpcReduction="10000"/>
+          </a:bodyPr>
+          <a:lstStyle/>
+          <a:p>
+            <a:r>
+              <a:rPr lang="en-US" dirty="0" smtClean="0">
+                <a:solidFill>
+                  <a:schemeClr val="accent4">
+                    <a:lumMod val="50000"/>
+                  </a:schemeClr>
+                </a:solidFill>
+              </a:rPr>
+              <a:t>super</a:t>
+            </a:r>
+            <a:r>
+              <a:rPr lang="en-US" dirty="0" smtClean="0">
+                <a:solidFill>
+                  <a:schemeClr val="accent1">
+                    <a:lumMod val="50000"/>
+                  </a:schemeClr>
+                </a:solidFill>
+              </a:rPr>
+              <a:t> keyword is a reference variable that is used to refer to parent class object</a:t>
+            </a:r>
+          </a:p>
+          <a:p>
+            <a:r>
+              <a:rPr lang="en-US" dirty="0">
+                <a:solidFill>
+                  <a:schemeClr val="accent4">
+                    <a:lumMod val="50000"/>
+                  </a:schemeClr>
+                </a:solidFill>
+              </a:rPr>
+              <a:t>f</a:t>
+            </a:r>
+            <a:r>
+              <a:rPr lang="en-US" dirty="0" smtClean="0">
+                <a:solidFill>
+                  <a:schemeClr val="accent4">
+                    <a:lumMod val="50000"/>
+                  </a:schemeClr>
+                </a:solidFill>
+              </a:rPr>
+              <a:t>inal</a:t>
+            </a:r>
+            <a:r>
+              <a:rPr lang="en-US" dirty="0" smtClean="0">
+                <a:solidFill>
+                  <a:schemeClr val="accent1">
+                    <a:lumMod val="50000"/>
+                  </a:schemeClr>
+                </a:solidFill>
+              </a:rPr>
+              <a:t> keyword is used to prohibit the inheritance</a:t>
+            </a:r>
+            <a:endParaRPr lang="en-US" dirty="0">
+              <a:solidFill>
+                <a:schemeClr val="accent1">
+                  <a:lumMod val="50000"/>
+                </a:schemeClr>
+              </a:solidFill>
+            </a:endParaRPr>
+          </a:p>
+        </p:txBody>
+      </p:sp>
+      <p:pic>
+        <p:nvPicPr>
+          <p:cNvPr id="4" name="Picture 3"/>
+          <p:cNvPicPr>
+            <a:picLocks noChangeAspect="1"/>
+          </p:cNvPicPr>
+          <p:nvPr/>
+        </p:nvPicPr>
+        <p:blipFill>
+          <a:blip r:embed="rId3">
+            <a:extLst>
+              <a:ext uri="{28A0092B-C50C-407E-A947-70E740481C1C}">
+                <a14:useLocalDpi xmlns:a14="http://schemas.microsoft.com/office/drawing/2010/main" val="0"/>
+              </a:ext>
+            </a:extLst>
+          </a:blip>
+          <a:stretch>
+            <a:fillRect/>
+          </a:stretch>
+        </p:blipFill>
+        <p:spPr>
+          <a:xfrm>
+            <a:off x="677334" y="3876741"/>
+            <a:ext cx="3732269" cy="2163451"/>
+          </a:xfrm>
+          <a:prstGeom prst="rect">
+            <a:avLst/>
+          </a:prstGeom>
+        </p:spPr>
+      </p:pic>
+    </p:spTree>
+    <p:extLst>
+      <p:ext uri="{BB962C8B-B14F-4D97-AF65-F5344CB8AC3E}">
+        <p14:creationId xmlns:p14="http://schemas.microsoft.com/office/powerpoint/2010/main" val="234373484"/>
+      </p:ext>
+    </p:extLst>
+  </p:cSld>
+  <p:clrMapOvr>
+    <a:masterClrMapping/>
+  </p:clrMapOvr>
+</p:sld>
+</file>
+
+<file path=ppt/slides/slide8.xml><?xml version="1.0" encoding="utf-8"?>
+<p:sld xmlns:a="http://schemas.openxmlformats.org/drawingml/2006/main" xmlns:r="http://schemas.openxmlformats.org/officeDocument/2006/relationships" xmlns:p="http://schemas.openxmlformats.org/presentationml/2006/main">
+  <p:cSld>
+    <p:spTree>
+      <p:nvGrpSpPr>
+        <p:cNvPr id="1" name=""/>
+        <p:cNvGrpSpPr/>
+        <p:nvPr/>
+      </p:nvGrpSpPr>
+      <p:grpSpPr>
+        <a:xfrm>
+          <a:off x="0" y="0"/>
+          <a:ext cx="0" cy="0"/>
+          <a:chOff x="0" y="0"/>
+          <a:chExt cx="0" cy="0"/>
+        </a:xfrm>
+      </p:grpSpPr>
+      <p:sp>
+        <p:nvSpPr>
+          <p:cNvPr id="2" name="Title 1"/>
+          <p:cNvSpPr>
+            <a:spLocks noGrp="1"/>
+          </p:cNvSpPr>
+          <p:nvPr>
+            <p:ph type="title"/>
+          </p:nvPr>
+        </p:nvSpPr>
+        <p:spPr/>
+        <p:txBody>
+          <a:bodyPr/>
+          <a:lstStyle/>
+          <a:p>
+            <a:r>
+              <a:rPr lang="en-US" dirty="0" smtClean="0"/>
+              <a:t>IS-A Relationship</a:t>
+            </a:r>
+            <a:endParaRPr lang="en-US" dirty="0"/>
+          </a:p>
+        </p:txBody>
+      </p:sp>
+      <p:pic>
+        <p:nvPicPr>
+          <p:cNvPr id="4" name="Content Placeholder 3"/>
+          <p:cNvPicPr>
+            <a:picLocks noGrp="1" noChangeAspect="1"/>
+          </p:cNvPicPr>
+          <p:nvPr>
+            <p:ph idx="1"/>
+          </p:nvPr>
+        </p:nvPicPr>
+        <p:blipFill>
+          <a:blip r:embed="rId2">
+            <a:extLst>
+              <a:ext uri="{28A0092B-C50C-407E-A947-70E740481C1C}">
+                <a14:useLocalDpi xmlns:a14="http://schemas.microsoft.com/office/drawing/2010/main" val="0"/>
+              </a:ext>
+            </a:extLst>
+          </a:blip>
+          <a:stretch>
+            <a:fillRect/>
+          </a:stretch>
+        </p:blipFill>
+        <p:spPr>
+          <a:xfrm>
+            <a:off x="3881852" y="1930400"/>
+            <a:ext cx="1905000" cy="3686175"/>
+          </a:xfrm>
+        </p:spPr>
+      </p:pic>
+    </p:spTree>
+    <p:extLst>
+      <p:ext uri="{BB962C8B-B14F-4D97-AF65-F5344CB8AC3E}">
+        <p14:creationId xmlns:p14="http://schemas.microsoft.com/office/powerpoint/2010/main" val="3041830045"/>
+      </p:ext>
+    </p:extLst>
+  </p:cSld>
+  <p:clrMapOvr>
+    <a:masterClrMapping/>
+  </p:clrMapOvr>
+</p:sld>
+</file>
+
+<file path=ppt/slides/slide9.xml><?xml version="1.0" encoding="utf-8"?>
+<p:sld xmlns:a="http://schemas.openxmlformats.org/drawingml/2006/main" xmlns:r="http://schemas.openxmlformats.org/officeDocument/2006/relationships" xmlns:p="http://schemas.openxmlformats.org/presentationml/2006/main">
+  <p:cSld>
+    <p:spTree>
+      <p:nvGrpSpPr>
+        <p:cNvPr id="1" name=""/>
+        <p:cNvGrpSpPr/>
+        <p:nvPr/>
+      </p:nvGrpSpPr>
+      <p:grpSpPr>
+        <a:xfrm>
+          <a:off x="0" y="0"/>
+          <a:ext cx="0" cy="0"/>
+          <a:chOff x="0" y="0"/>
+          <a:chExt cx="0" cy="0"/>
+        </a:xfrm>
+      </p:grpSpPr>
+      <p:sp>
+        <p:nvSpPr>
+          <p:cNvPr id="2" name="Title 1"/>
+          <p:cNvSpPr>
+            <a:spLocks noGrp="1"/>
+          </p:cNvSpPr>
+          <p:nvPr>
+            <p:ph type="title"/>
+          </p:nvPr>
+        </p:nvSpPr>
+        <p:spPr/>
+        <p:txBody>
+          <a:bodyPr/>
+          <a:lstStyle/>
+          <a:p>
+            <a:r>
+              <a:rPr lang="en-US" dirty="0" smtClean="0"/>
               <a:t>Advantages of Inheritance</a:t>
             </a:r>
             <a:endParaRPr lang="en-US" dirty="0"/>
@@ -6234,20 +6902,44 @@
           <a:lstStyle/>
           <a:p>
             <a:r>
-              <a:rPr lang="en-US" sz="2000" dirty="0" smtClean="0"/>
+              <a:rPr lang="en-US" sz="2000" dirty="0" smtClean="0">
+                <a:solidFill>
+                  <a:schemeClr val="accent1">
+                    <a:lumMod val="50000"/>
+                  </a:schemeClr>
+                </a:solidFill>
+              </a:rPr>
               <a:t>Reusability</a:t>
             </a:r>
-            <a:endParaRPr lang="en-US" sz="2000" dirty="0"/>
-          </a:p>
-          <a:p>
-            <a:r>
-              <a:rPr lang="en-US" sz="2000" dirty="0" smtClean="0"/>
+            <a:endParaRPr lang="en-US" sz="2000" dirty="0">
+              <a:solidFill>
+                <a:schemeClr val="accent1">
+                  <a:lumMod val="50000"/>
+                </a:schemeClr>
+              </a:solidFill>
+            </a:endParaRPr>
+          </a:p>
+          <a:p>
+            <a:r>
+              <a:rPr lang="en-US" sz="2000" dirty="0" smtClean="0">
+                <a:solidFill>
+                  <a:schemeClr val="accent1">
+                    <a:lumMod val="50000"/>
+                  </a:schemeClr>
+                </a:solidFill>
+              </a:rPr>
               <a:t>Reduced Size</a:t>
             </a:r>
           </a:p>
           <a:p>
             <a:r>
-              <a:rPr lang="en-US" sz="2000" dirty="0" smtClean="0"/>
+              <a:rPr lang="en-US" sz="2000" dirty="0" smtClean="0">
+                <a:solidFill>
+                  <a:schemeClr val="accent1">
+                    <a:lumMod val="50000"/>
+                  </a:schemeClr>
+                </a:solidFill>
+              </a:rPr>
               <a:t>Transitivity</a:t>
             </a:r>
           </a:p>
@@ -6297,7 +6989,7 @@
         </p:nvSpPr>
         <p:spPr>
           <a:xfrm>
-            <a:off x="4140754" y="4971308"/>
+            <a:off x="4303754" y="4971308"/>
             <a:ext cx="2498501" cy="369332"/>
           </a:xfrm>
           <a:prstGeom prst="rect">
@@ -6312,14 +7004,32 @@
           <a:lstStyle/>
           <a:p>
             <a:r>
-              <a:rPr lang="en-US" dirty="0" err="1" smtClean="0"/>
+              <a:rPr lang="en-US" dirty="0" err="1" smtClean="0">
+                <a:solidFill>
+                  <a:schemeClr val="accent1">
+                    <a:lumMod val="50000"/>
+                  </a:schemeClr>
+                </a:solidFill>
+              </a:rPr>
               <a:t>Eg</a:t>
             </a:r>
             <a:r>
-              <a:rPr lang="en-US" dirty="0" smtClean="0"/>
+              <a:rPr lang="en-US" dirty="0" smtClean="0">
+                <a:solidFill>
+                  <a:schemeClr val="accent1">
+                    <a:lumMod val="50000"/>
+                  </a:schemeClr>
+                </a:solidFill>
+              </a:rPr>
               <a:t>. Transitivity</a:t>
             </a:r>
-            <a:endParaRPr lang="en-US" dirty="0"/>
+            <a:endParaRPr lang="en-US" dirty="0">
+              <a:solidFill>
+                <a:schemeClr val="accent1">
+                  <a:lumMod val="50000"/>
+                </a:schemeClr>
+              </a:solidFill>
+            </a:endParaRPr>
           </a:p>
         </p:txBody>
       </p:sp>
@@ -6327,78 +7037,6 @@
     <p:extLst>
       <p:ext uri="{BB962C8B-B14F-4D97-AF65-F5344CB8AC3E}">
         <p14:creationId xmlns:p14="http://schemas.microsoft.com/office/powerpoint/2010/main" val="4235848371"/>
-      </p:ext>
-    </p:extLst>
-  </p:cSld>
-  <p:clrMapOvr>
-    <a:masterClrMapping/>
-  </p:clrMapOvr>
-</p:sld>
-</file>
-
-<file path=ppt/slides/slide6.xml><?xml version="1.0" encoding="utf-8"?>
-<p:sld xmlns:a="http://schemas.openxmlformats.org/drawingml/2006/main" xmlns:r="http://schemas.openxmlformats.org/officeDocument/2006/relationships" xmlns:p="http://schemas.openxmlformats.org/presentationml/2006/main">
-  <p:cSld>
-    <p:spTree>
-      <p:nvGrpSpPr>
-        <p:cNvPr id="1" name=""/>
-        <p:cNvGrpSpPr/>
-        <p:nvPr/>
-      </p:nvGrpSpPr>
-      <p:grpSpPr>
-        <a:xfrm>
-          <a:off x="0" y="0"/>
-          <a:ext cx="0" cy="0"/>
-          <a:chOff x="0" y="0"/>
-          <a:chExt cx="0" cy="0"/>
-        </a:xfrm>
-      </p:grpSpPr>
-      <p:sp>
-        <p:nvSpPr>
-          <p:cNvPr id="2" name="Title 1"/>
-          <p:cNvSpPr>
-            <a:spLocks noGrp="1"/>
-          </p:cNvSpPr>
-          <p:nvPr>
-            <p:ph type="title"/>
-          </p:nvPr>
-        </p:nvSpPr>
-        <p:spPr/>
-        <p:txBody>
-          <a:bodyPr/>
-          <a:lstStyle/>
-          <a:p>
-            <a:r>
-              <a:rPr lang="en-US" dirty="0" smtClean="0"/>
-              <a:t>Types of Inheritance</a:t>
-            </a:r>
-            <a:endParaRPr lang="en-US" dirty="0"/>
-          </a:p>
-        </p:txBody>
-      </p:sp>
-      <p:sp>
-        <p:nvSpPr>
-          <p:cNvPr id="3" name="Content Placeholder 2"/>
-          <p:cNvSpPr>
-            <a:spLocks noGrp="1"/>
-          </p:cNvSpPr>
-          <p:nvPr>
-            <p:ph idx="1"/>
-          </p:nvPr>
-        </p:nvSpPr>
-        <p:spPr/>
-        <p:txBody>
-          <a:bodyPr/>
-          <a:lstStyle/>
-          <a:p>
-            <a:endParaRPr lang="en-US"/>
-          </a:p>
-        </p:txBody>
-      </p:sp>
-    </p:spTree>
-    <p:extLst>
-      <p:ext uri="{BB962C8B-B14F-4D97-AF65-F5344CB8AC3E}">
-        <p14:creationId xmlns:p14="http://schemas.microsoft.com/office/powerpoint/2010/main" val="430404284"/>
       </p:ext>
     </p:extLst>
   </p:cSld>
